--- a/kinematic presentations/1_22_24_analysis_code_update.pptx
+++ b/kinematic presentations/1_22_24_analysis_code_update.pptx
@@ -111,6 +111,11 @@
       </a:defRPr>
     </a:lvl9pPr>
   </p:defaultTextStyle>
+  <p:extLst>
+    <p:ext uri="{EFAFB233-063F-42B5-8137-9DF3F51BA10A}">
+      <p15:sldGuideLst xmlns:p15="http://schemas.microsoft.com/office/powerpoint/2012/main"/>
+    </p:ext>
+  </p:extLst>
 </p:presentation>
 </file>
 
@@ -245,7 +250,7 @@
           <a:p>
             <a:fld id="{F362BF38-ABAA-4127-8380-A8AED1D37D43}" type="datetimeFigureOut">
               <a:rPr lang="en-US" smtClean="0"/>
-              <a:t>1/22/2025</a:t>
+              <a:t>1/23/2025</a:t>
             </a:fld>
             <a:endParaRPr lang="en-US"/>
           </a:p>
@@ -415,7 +420,7 @@
           <a:p>
             <a:fld id="{F362BF38-ABAA-4127-8380-A8AED1D37D43}" type="datetimeFigureOut">
               <a:rPr lang="en-US" smtClean="0"/>
-              <a:t>1/22/2025</a:t>
+              <a:t>1/23/2025</a:t>
             </a:fld>
             <a:endParaRPr lang="en-US"/>
           </a:p>
@@ -595,7 +600,7 @@
           <a:p>
             <a:fld id="{F362BF38-ABAA-4127-8380-A8AED1D37D43}" type="datetimeFigureOut">
               <a:rPr lang="en-US" smtClean="0"/>
-              <a:t>1/22/2025</a:t>
+              <a:t>1/23/2025</a:t>
             </a:fld>
             <a:endParaRPr lang="en-US"/>
           </a:p>
@@ -765,7 +770,7 @@
           <a:p>
             <a:fld id="{F362BF38-ABAA-4127-8380-A8AED1D37D43}" type="datetimeFigureOut">
               <a:rPr lang="en-US" smtClean="0"/>
-              <a:t>1/22/2025</a:t>
+              <a:t>1/23/2025</a:t>
             </a:fld>
             <a:endParaRPr lang="en-US"/>
           </a:p>
@@ -1011,7 +1016,7 @@
           <a:p>
             <a:fld id="{F362BF38-ABAA-4127-8380-A8AED1D37D43}" type="datetimeFigureOut">
               <a:rPr lang="en-US" smtClean="0"/>
-              <a:t>1/22/2025</a:t>
+              <a:t>1/23/2025</a:t>
             </a:fld>
             <a:endParaRPr lang="en-US"/>
           </a:p>
@@ -1243,7 +1248,7 @@
           <a:p>
             <a:fld id="{F362BF38-ABAA-4127-8380-A8AED1D37D43}" type="datetimeFigureOut">
               <a:rPr lang="en-US" smtClean="0"/>
-              <a:t>1/22/2025</a:t>
+              <a:t>1/23/2025</a:t>
             </a:fld>
             <a:endParaRPr lang="en-US"/>
           </a:p>
@@ -1610,7 +1615,7 @@
           <a:p>
             <a:fld id="{F362BF38-ABAA-4127-8380-A8AED1D37D43}" type="datetimeFigureOut">
               <a:rPr lang="en-US" smtClean="0"/>
-              <a:t>1/22/2025</a:t>
+              <a:t>1/23/2025</a:t>
             </a:fld>
             <a:endParaRPr lang="en-US"/>
           </a:p>
@@ -1728,7 +1733,7 @@
           <a:p>
             <a:fld id="{F362BF38-ABAA-4127-8380-A8AED1D37D43}" type="datetimeFigureOut">
               <a:rPr lang="en-US" smtClean="0"/>
-              <a:t>1/22/2025</a:t>
+              <a:t>1/23/2025</a:t>
             </a:fld>
             <a:endParaRPr lang="en-US"/>
           </a:p>
@@ -1823,7 +1828,7 @@
           <a:p>
             <a:fld id="{F362BF38-ABAA-4127-8380-A8AED1D37D43}" type="datetimeFigureOut">
               <a:rPr lang="en-US" smtClean="0"/>
-              <a:t>1/22/2025</a:t>
+              <a:t>1/23/2025</a:t>
             </a:fld>
             <a:endParaRPr lang="en-US"/>
           </a:p>
@@ -2100,7 +2105,7 @@
           <a:p>
             <a:fld id="{F362BF38-ABAA-4127-8380-A8AED1D37D43}" type="datetimeFigureOut">
               <a:rPr lang="en-US" smtClean="0"/>
-              <a:t>1/22/2025</a:t>
+              <a:t>1/23/2025</a:t>
             </a:fld>
             <a:endParaRPr lang="en-US"/>
           </a:p>
@@ -2353,7 +2358,7 @@
           <a:p>
             <a:fld id="{F362BF38-ABAA-4127-8380-A8AED1D37D43}" type="datetimeFigureOut">
               <a:rPr lang="en-US" smtClean="0"/>
-              <a:t>1/22/2025</a:t>
+              <a:t>1/23/2025</a:t>
             </a:fld>
             <a:endParaRPr lang="en-US"/>
           </a:p>
@@ -2566,7 +2571,7 @@
           <a:p>
             <a:fld id="{F362BF38-ABAA-4127-8380-A8AED1D37D43}" type="datetimeFigureOut">
               <a:rPr lang="en-US" smtClean="0"/>
-              <a:t>1/22/2025</a:t>
+              <a:t>1/23/2025</a:t>
             </a:fld>
             <a:endParaRPr lang="en-US"/>
           </a:p>
@@ -3040,8 +3045,8 @@
         </p:blipFill>
         <p:spPr>
           <a:xfrm>
-            <a:off x="2099017" y="1342364"/>
-            <a:ext cx="6563252" cy="4889623"/>
+            <a:off x="2141219" y="835927"/>
+            <a:ext cx="7677339" cy="5719618"/>
           </a:xfrm>
           <a:prstGeom prst="rect">
             <a:avLst/>
@@ -3717,7 +3722,7 @@
       </p:grpSpPr>
       <p:pic>
         <p:nvPicPr>
-          <p:cNvPr id="6" name="Picture 5"/>
+          <p:cNvPr id="4" name="Picture 3"/>
           <p:cNvPicPr>
             <a:picLocks noChangeAspect="1"/>
           </p:cNvPicPr>
@@ -3731,14 +3736,190 @@
         </p:blipFill>
         <p:spPr>
           <a:xfrm>
-            <a:off x="3114675" y="1228725"/>
-            <a:ext cx="5962650" cy="4400550"/>
+            <a:off x="5898026" y="2644727"/>
+            <a:ext cx="5386119" cy="4037428"/>
           </a:xfrm>
           <a:prstGeom prst="rect">
             <a:avLst/>
           </a:prstGeom>
         </p:spPr>
       </p:pic>
+      <p:pic>
+        <p:nvPicPr>
+          <p:cNvPr id="5" name="Picture 4"/>
+          <p:cNvPicPr>
+            <a:picLocks noChangeAspect="1"/>
+          </p:cNvPicPr>
+          <p:nvPr/>
+        </p:nvPicPr>
+        <p:blipFill>
+          <a:blip r:embed="rId3"/>
+          <a:stretch>
+            <a:fillRect/>
+          </a:stretch>
+        </p:blipFill>
+        <p:spPr>
+          <a:xfrm>
+            <a:off x="286629" y="1"/>
+            <a:ext cx="6465863" cy="3068656"/>
+          </a:xfrm>
+          <a:prstGeom prst="rect">
+            <a:avLst/>
+          </a:prstGeom>
+        </p:spPr>
+      </p:pic>
+      <p:sp>
+        <p:nvSpPr>
+          <p:cNvPr id="7" name="Oval 6"/>
+          <p:cNvSpPr/>
+          <p:nvPr/>
+        </p:nvSpPr>
+        <p:spPr>
+          <a:xfrm rot="20513214">
+            <a:off x="740034" y="1682410"/>
+            <a:ext cx="3393487" cy="620253"/>
+          </a:xfrm>
+          <a:prstGeom prst="ellipse">
+            <a:avLst/>
+          </a:prstGeom>
+          <a:noFill/>
+          <a:ln w="38100">
+            <a:solidFill>
+              <a:schemeClr val="tx1"/>
+            </a:solidFill>
+          </a:ln>
+        </p:spPr>
+        <p:style>
+          <a:lnRef idx="2">
+            <a:schemeClr val="accent1">
+              <a:shade val="50000"/>
+            </a:schemeClr>
+          </a:lnRef>
+          <a:fillRef idx="1">
+            <a:schemeClr val="accent1"/>
+          </a:fillRef>
+          <a:effectRef idx="0">
+            <a:schemeClr val="accent1"/>
+          </a:effectRef>
+          <a:fontRef idx="minor">
+            <a:schemeClr val="lt1"/>
+          </a:fontRef>
+        </p:style>
+        <p:txBody>
+          <a:bodyPr rtlCol="0" anchor="ctr"/>
+          <a:lstStyle/>
+          <a:p>
+            <a:pPr algn="ctr"/>
+            <a:endParaRPr lang="en-US"/>
+          </a:p>
+        </p:txBody>
+      </p:sp>
+      <p:sp>
+        <p:nvSpPr>
+          <p:cNvPr id="8" name="Oval 7"/>
+          <p:cNvSpPr/>
+          <p:nvPr/>
+        </p:nvSpPr>
+        <p:spPr>
+          <a:xfrm rot="19086750">
+            <a:off x="367966" y="1235280"/>
+            <a:ext cx="3393488" cy="620253"/>
+          </a:xfrm>
+          <a:prstGeom prst="ellipse">
+            <a:avLst/>
+          </a:prstGeom>
+          <a:noFill/>
+          <a:ln w="38100">
+            <a:solidFill>
+              <a:schemeClr val="tx1"/>
+            </a:solidFill>
+          </a:ln>
+        </p:spPr>
+        <p:style>
+          <a:lnRef idx="2">
+            <a:schemeClr val="accent1">
+              <a:shade val="50000"/>
+            </a:schemeClr>
+          </a:lnRef>
+          <a:fillRef idx="1">
+            <a:schemeClr val="accent1"/>
+          </a:fillRef>
+          <a:effectRef idx="0">
+            <a:schemeClr val="accent1"/>
+          </a:effectRef>
+          <a:fontRef idx="minor">
+            <a:schemeClr val="lt1"/>
+          </a:fontRef>
+        </p:style>
+        <p:txBody>
+          <a:bodyPr rtlCol="0" anchor="ctr"/>
+          <a:lstStyle/>
+          <a:p>
+            <a:pPr algn="ctr"/>
+            <a:endParaRPr lang="en-US"/>
+          </a:p>
+        </p:txBody>
+      </p:sp>
+      <p:sp>
+        <p:nvSpPr>
+          <p:cNvPr id="9" name="TextBox 8"/>
+          <p:cNvSpPr txBox="1"/>
+          <p:nvPr/>
+        </p:nvSpPr>
+        <p:spPr>
+          <a:xfrm rot="20389901">
+            <a:off x="2204989" y="1764453"/>
+            <a:ext cx="1556085" cy="369332"/>
+          </a:xfrm>
+          <a:prstGeom prst="rect">
+            <a:avLst/>
+          </a:prstGeom>
+          <a:noFill/>
+        </p:spPr>
+        <p:txBody>
+          <a:bodyPr wrap="square" rtlCol="0">
+            <a:spAutoFit/>
+          </a:bodyPr>
+          <a:lstStyle/>
+          <a:p>
+            <a:r>
+              <a:rPr lang="en-US" b="1" dirty="0" smtClean="0"/>
+              <a:t>0.02” x 0.02”</a:t>
+            </a:r>
+            <a:endParaRPr lang="en-US" b="1" dirty="0"/>
+          </a:p>
+        </p:txBody>
+      </p:sp>
+      <p:sp>
+        <p:nvSpPr>
+          <p:cNvPr id="10" name="TextBox 9"/>
+          <p:cNvSpPr txBox="1"/>
+          <p:nvPr/>
+        </p:nvSpPr>
+        <p:spPr>
+          <a:xfrm rot="19125067">
+            <a:off x="1498260" y="985604"/>
+            <a:ext cx="1556085" cy="369332"/>
+          </a:xfrm>
+          <a:prstGeom prst="rect">
+            <a:avLst/>
+          </a:prstGeom>
+          <a:noFill/>
+        </p:spPr>
+        <p:txBody>
+          <a:bodyPr wrap="square" rtlCol="0">
+            <a:spAutoFit/>
+          </a:bodyPr>
+          <a:lstStyle/>
+          <a:p>
+            <a:r>
+              <a:rPr lang="en-US" b="1" dirty="0" smtClean="0"/>
+              <a:t>0.01” x 0.01”</a:t>
+            </a:r>
+            <a:endParaRPr lang="en-US" b="1" dirty="0"/>
+          </a:p>
+        </p:txBody>
+      </p:sp>
     </p:spTree>
     <p:extLst>
       <p:ext uri="{BB962C8B-B14F-4D97-AF65-F5344CB8AC3E}">
